--- a/figures/logo.pptx
+++ b/figures/logo.pptx
@@ -7,6 +7,7 @@
   <p:sldIdLst>
     <p:sldId id="256" r:id="rId2"/>
     <p:sldId id="257" r:id="rId3"/>
+    <p:sldId id="258" r:id="rId4"/>
   </p:sldIdLst>
   <p:sldSz cx="12192000" cy="6858000"/>
   <p:notesSz cx="6858000" cy="9144000"/>
@@ -105,6 +106,11 @@
       </a:defRPr>
     </a:lvl9pPr>
   </p:defaultTextStyle>
+  <p:extLst>
+    <p:ext uri="{EFAFB233-063F-42B5-8137-9DF3F51BA10A}">
+      <p15:sldGuideLst xmlns:p15="http://schemas.microsoft.com/office/powerpoint/2012/main"/>
+    </p:ext>
+  </p:extLst>
 </p:presentation>
 </file>
 
@@ -239,7 +245,7 @@
           <a:p>
             <a:fld id="{D3BF237D-9BBD-C743-A495-EEC3F01C3CE2}" type="datetimeFigureOut">
               <a:rPr lang="en-US" smtClean="0"/>
-              <a:t>9/20/16</a:t>
+              <a:t>11/28/17</a:t>
             </a:fld>
             <a:endParaRPr lang="en-US"/>
           </a:p>
@@ -409,7 +415,7 @@
           <a:p>
             <a:fld id="{D3BF237D-9BBD-C743-A495-EEC3F01C3CE2}" type="datetimeFigureOut">
               <a:rPr lang="en-US" smtClean="0"/>
-              <a:t>9/20/16</a:t>
+              <a:t>11/28/17</a:t>
             </a:fld>
             <a:endParaRPr lang="en-US"/>
           </a:p>
@@ -589,7 +595,7 @@
           <a:p>
             <a:fld id="{D3BF237D-9BBD-C743-A495-EEC3F01C3CE2}" type="datetimeFigureOut">
               <a:rPr lang="en-US" smtClean="0"/>
-              <a:t>9/20/16</a:t>
+              <a:t>11/28/17</a:t>
             </a:fld>
             <a:endParaRPr lang="en-US"/>
           </a:p>
@@ -759,7 +765,7 @@
           <a:p>
             <a:fld id="{D3BF237D-9BBD-C743-A495-EEC3F01C3CE2}" type="datetimeFigureOut">
               <a:rPr lang="en-US" smtClean="0"/>
-              <a:t>9/20/16</a:t>
+              <a:t>11/28/17</a:t>
             </a:fld>
             <a:endParaRPr lang="en-US"/>
           </a:p>
@@ -1005,7 +1011,7 @@
           <a:p>
             <a:fld id="{D3BF237D-9BBD-C743-A495-EEC3F01C3CE2}" type="datetimeFigureOut">
               <a:rPr lang="en-US" smtClean="0"/>
-              <a:t>9/20/16</a:t>
+              <a:t>11/28/17</a:t>
             </a:fld>
             <a:endParaRPr lang="en-US"/>
           </a:p>
@@ -1237,7 +1243,7 @@
           <a:p>
             <a:fld id="{D3BF237D-9BBD-C743-A495-EEC3F01C3CE2}" type="datetimeFigureOut">
               <a:rPr lang="en-US" smtClean="0"/>
-              <a:t>9/20/16</a:t>
+              <a:t>11/28/17</a:t>
             </a:fld>
             <a:endParaRPr lang="en-US"/>
           </a:p>
@@ -1604,7 +1610,7 @@
           <a:p>
             <a:fld id="{D3BF237D-9BBD-C743-A495-EEC3F01C3CE2}" type="datetimeFigureOut">
               <a:rPr lang="en-US" smtClean="0"/>
-              <a:t>9/20/16</a:t>
+              <a:t>11/28/17</a:t>
             </a:fld>
             <a:endParaRPr lang="en-US"/>
           </a:p>
@@ -1722,7 +1728,7 @@
           <a:p>
             <a:fld id="{D3BF237D-9BBD-C743-A495-EEC3F01C3CE2}" type="datetimeFigureOut">
               <a:rPr lang="en-US" smtClean="0"/>
-              <a:t>9/20/16</a:t>
+              <a:t>11/28/17</a:t>
             </a:fld>
             <a:endParaRPr lang="en-US"/>
           </a:p>
@@ -1817,7 +1823,7 @@
           <a:p>
             <a:fld id="{D3BF237D-9BBD-C743-A495-EEC3F01C3CE2}" type="datetimeFigureOut">
               <a:rPr lang="en-US" smtClean="0"/>
-              <a:t>9/20/16</a:t>
+              <a:t>11/28/17</a:t>
             </a:fld>
             <a:endParaRPr lang="en-US"/>
           </a:p>
@@ -2094,7 +2100,7 @@
           <a:p>
             <a:fld id="{D3BF237D-9BBD-C743-A495-EEC3F01C3CE2}" type="datetimeFigureOut">
               <a:rPr lang="en-US" smtClean="0"/>
-              <a:t>9/20/16</a:t>
+              <a:t>11/28/17</a:t>
             </a:fld>
             <a:endParaRPr lang="en-US"/>
           </a:p>
@@ -2347,7 +2353,7 @@
           <a:p>
             <a:fld id="{D3BF237D-9BBD-C743-A495-EEC3F01C3CE2}" type="datetimeFigureOut">
               <a:rPr lang="en-US" smtClean="0"/>
-              <a:t>9/20/16</a:t>
+              <a:t>11/28/17</a:t>
             </a:fld>
             <a:endParaRPr lang="en-US"/>
           </a:p>
@@ -2560,7 +2566,7 @@
           <a:p>
             <a:fld id="{D3BF237D-9BBD-C743-A495-EEC3F01C3CE2}" type="datetimeFigureOut">
               <a:rPr lang="en-US" smtClean="0"/>
-              <a:t>9/20/16</a:t>
+              <a:t>11/28/17</a:t>
             </a:fld>
             <a:endParaRPr lang="en-US"/>
           </a:p>
@@ -3708,6 +3714,390 @@
 </p:sld>
 </file>
 
+<file path=ppt/slides/slide3.xml><?xml version="1.0" encoding="utf-8"?>
+<p:sld xmlns:a="http://schemas.openxmlformats.org/drawingml/2006/main" xmlns:r="http://schemas.openxmlformats.org/officeDocument/2006/relationships" xmlns:p="http://schemas.openxmlformats.org/presentationml/2006/main">
+  <p:cSld>
+    <p:bg>
+      <p:bgPr>
+        <a:solidFill>
+          <a:schemeClr val="accent1"/>
+        </a:solidFill>
+        <a:effectLst/>
+      </p:bgPr>
+    </p:bg>
+    <p:spTree>
+      <p:nvGrpSpPr>
+        <p:cNvPr id="1" name=""/>
+        <p:cNvGrpSpPr/>
+        <p:nvPr/>
+      </p:nvGrpSpPr>
+      <p:grpSpPr>
+        <a:xfrm>
+          <a:off x="0" y="0"/>
+          <a:ext cx="0" cy="0"/>
+          <a:chOff x="0" y="0"/>
+          <a:chExt cx="0" cy="0"/>
+        </a:xfrm>
+      </p:grpSpPr>
+      <p:sp>
+        <p:nvSpPr>
+          <p:cNvPr id="4" name="Oval 3"/>
+          <p:cNvSpPr/>
+          <p:nvPr/>
+        </p:nvSpPr>
+        <p:spPr>
+          <a:xfrm>
+            <a:off x="1509482" y="2092529"/>
+            <a:ext cx="1313792" cy="1313792"/>
+          </a:xfrm>
+          <a:prstGeom prst="ellipse">
+            <a:avLst/>
+          </a:prstGeom>
+          <a:noFill/>
+          <a:ln w="38100">
+            <a:solidFill>
+              <a:schemeClr val="bg1"/>
+            </a:solidFill>
+          </a:ln>
+        </p:spPr>
+        <p:style>
+          <a:lnRef idx="2">
+            <a:schemeClr val="accent1">
+              <a:shade val="50000"/>
+            </a:schemeClr>
+          </a:lnRef>
+          <a:fillRef idx="1">
+            <a:schemeClr val="accent1"/>
+          </a:fillRef>
+          <a:effectRef idx="0">
+            <a:schemeClr val="accent1"/>
+          </a:effectRef>
+          <a:fontRef idx="minor">
+            <a:schemeClr val="lt1"/>
+          </a:fontRef>
+        </p:style>
+        <p:txBody>
+          <a:bodyPr rtlCol="0" anchor="ctr"/>
+          <a:lstStyle/>
+          <a:p>
+            <a:pPr algn="ctr"/>
+            <a:r>
+              <a:rPr lang="en-US" sz="6000" dirty="0" smtClean="0">
+                <a:solidFill>
+                  <a:schemeClr val="bg1"/>
+                </a:solidFill>
+              </a:rPr>
+              <a:t>D</a:t>
+            </a:r>
+            <a:endParaRPr lang="en-US" sz="6000" dirty="0">
+              <a:solidFill>
+                <a:schemeClr val="bg1"/>
+              </a:solidFill>
+            </a:endParaRPr>
+          </a:p>
+        </p:txBody>
+      </p:sp>
+      <p:sp>
+        <p:nvSpPr>
+          <p:cNvPr id="6" name="Oval 5"/>
+          <p:cNvSpPr/>
+          <p:nvPr/>
+        </p:nvSpPr>
+        <p:spPr>
+          <a:xfrm>
+            <a:off x="3499946" y="2092529"/>
+            <a:ext cx="1313792" cy="1313792"/>
+          </a:xfrm>
+          <a:prstGeom prst="ellipse">
+            <a:avLst/>
+          </a:prstGeom>
+          <a:noFill/>
+          <a:ln w="38100">
+            <a:solidFill>
+              <a:schemeClr val="bg1"/>
+            </a:solidFill>
+          </a:ln>
+        </p:spPr>
+        <p:style>
+          <a:lnRef idx="2">
+            <a:schemeClr val="accent1">
+              <a:shade val="50000"/>
+            </a:schemeClr>
+          </a:lnRef>
+          <a:fillRef idx="1">
+            <a:schemeClr val="accent1"/>
+          </a:fillRef>
+          <a:effectRef idx="0">
+            <a:schemeClr val="accent1"/>
+          </a:effectRef>
+          <a:fontRef idx="minor">
+            <a:schemeClr val="lt1"/>
+          </a:fontRef>
+        </p:style>
+        <p:txBody>
+          <a:bodyPr rtlCol="0" anchor="ctr"/>
+          <a:lstStyle/>
+          <a:p>
+            <a:pPr algn="ctr"/>
+            <a:r>
+              <a:rPr lang="en-US" sz="6000" dirty="0" smtClean="0">
+                <a:solidFill>
+                  <a:schemeClr val="bg1"/>
+                </a:solidFill>
+              </a:rPr>
+              <a:t>A</a:t>
+            </a:r>
+            <a:endParaRPr lang="en-US" sz="6000" dirty="0">
+              <a:solidFill>
+                <a:schemeClr val="bg1"/>
+              </a:solidFill>
+            </a:endParaRPr>
+          </a:p>
+        </p:txBody>
+      </p:sp>
+      <p:cxnSp>
+        <p:nvCxnSpPr>
+          <p:cNvPr id="8" name="Straight Connector 7"/>
+          <p:cNvCxnSpPr>
+            <a:stCxn id="4" idx="6"/>
+            <a:endCxn id="6" idx="2"/>
+          </p:cNvCxnSpPr>
+          <p:nvPr/>
+        </p:nvCxnSpPr>
+        <p:spPr>
+          <a:xfrm>
+            <a:off x="2823274" y="2749425"/>
+            <a:ext cx="676672" cy="0"/>
+          </a:xfrm>
+          <a:prstGeom prst="line">
+            <a:avLst/>
+          </a:prstGeom>
+          <a:ln w="38100">
+            <a:solidFill>
+              <a:schemeClr val="bg1"/>
+            </a:solidFill>
+          </a:ln>
+        </p:spPr>
+        <p:style>
+          <a:lnRef idx="1">
+            <a:schemeClr val="accent1"/>
+          </a:lnRef>
+          <a:fillRef idx="0">
+            <a:schemeClr val="accent1"/>
+          </a:fillRef>
+          <a:effectRef idx="0">
+            <a:schemeClr val="accent1"/>
+          </a:effectRef>
+          <a:fontRef idx="minor">
+            <a:schemeClr val="tx1"/>
+          </a:fontRef>
+        </p:style>
+      </p:cxnSp>
+      <p:sp>
+        <p:nvSpPr>
+          <p:cNvPr id="9" name="Oval 8"/>
+          <p:cNvSpPr/>
+          <p:nvPr/>
+        </p:nvSpPr>
+        <p:spPr>
+          <a:xfrm>
+            <a:off x="5490409" y="2092529"/>
+            <a:ext cx="1313792" cy="1313792"/>
+          </a:xfrm>
+          <a:prstGeom prst="ellipse">
+            <a:avLst/>
+          </a:prstGeom>
+          <a:noFill/>
+          <a:ln w="38100">
+            <a:solidFill>
+              <a:schemeClr val="bg1"/>
+            </a:solidFill>
+          </a:ln>
+        </p:spPr>
+        <p:style>
+          <a:lnRef idx="2">
+            <a:schemeClr val="accent1">
+              <a:shade val="50000"/>
+            </a:schemeClr>
+          </a:lnRef>
+          <a:fillRef idx="1">
+            <a:schemeClr val="accent1"/>
+          </a:fillRef>
+          <a:effectRef idx="0">
+            <a:schemeClr val="accent1"/>
+          </a:effectRef>
+          <a:fontRef idx="minor">
+            <a:schemeClr val="lt1"/>
+          </a:fontRef>
+        </p:style>
+        <p:txBody>
+          <a:bodyPr rtlCol="0" anchor="ctr"/>
+          <a:lstStyle/>
+          <a:p>
+            <a:pPr algn="ctr"/>
+            <a:r>
+              <a:rPr lang="en-US" sz="6000" dirty="0" smtClean="0">
+                <a:solidFill>
+                  <a:schemeClr val="bg1"/>
+                </a:solidFill>
+              </a:rPr>
+              <a:t>T</a:t>
+            </a:r>
+            <a:endParaRPr lang="en-US" sz="6000" dirty="0">
+              <a:solidFill>
+                <a:schemeClr val="bg1"/>
+              </a:solidFill>
+            </a:endParaRPr>
+          </a:p>
+        </p:txBody>
+      </p:sp>
+      <p:cxnSp>
+        <p:nvCxnSpPr>
+          <p:cNvPr id="10" name="Straight Connector 9"/>
+          <p:cNvCxnSpPr>
+            <a:stCxn id="9" idx="2"/>
+            <a:endCxn id="6" idx="6"/>
+          </p:cNvCxnSpPr>
+          <p:nvPr/>
+        </p:nvCxnSpPr>
+        <p:spPr>
+          <a:xfrm flipH="1">
+            <a:off x="4813738" y="2749425"/>
+            <a:ext cx="676671" cy="0"/>
+          </a:xfrm>
+          <a:prstGeom prst="line">
+            <a:avLst/>
+          </a:prstGeom>
+          <a:ln w="38100">
+            <a:solidFill>
+              <a:schemeClr val="bg1"/>
+            </a:solidFill>
+          </a:ln>
+        </p:spPr>
+        <p:style>
+          <a:lnRef idx="1">
+            <a:schemeClr val="accent1"/>
+          </a:lnRef>
+          <a:fillRef idx="0">
+            <a:schemeClr val="accent1"/>
+          </a:fillRef>
+          <a:effectRef idx="0">
+            <a:schemeClr val="accent1"/>
+          </a:effectRef>
+          <a:fontRef idx="minor">
+            <a:schemeClr val="tx1"/>
+          </a:fontRef>
+        </p:style>
+      </p:cxnSp>
+      <p:sp>
+        <p:nvSpPr>
+          <p:cNvPr id="17" name="Oval 16"/>
+          <p:cNvSpPr/>
+          <p:nvPr/>
+        </p:nvSpPr>
+        <p:spPr>
+          <a:xfrm>
+            <a:off x="7480873" y="2092529"/>
+            <a:ext cx="1313792" cy="1313792"/>
+          </a:xfrm>
+          <a:prstGeom prst="ellipse">
+            <a:avLst/>
+          </a:prstGeom>
+          <a:noFill/>
+          <a:ln w="38100">
+            <a:solidFill>
+              <a:schemeClr val="bg1"/>
+            </a:solidFill>
+          </a:ln>
+        </p:spPr>
+        <p:style>
+          <a:lnRef idx="2">
+            <a:schemeClr val="accent1">
+              <a:shade val="50000"/>
+            </a:schemeClr>
+          </a:lnRef>
+          <a:fillRef idx="1">
+            <a:schemeClr val="accent1"/>
+          </a:fillRef>
+          <a:effectRef idx="0">
+            <a:schemeClr val="accent1"/>
+          </a:effectRef>
+          <a:fontRef idx="minor">
+            <a:schemeClr val="lt1"/>
+          </a:fontRef>
+        </p:style>
+        <p:txBody>
+          <a:bodyPr rtlCol="0" anchor="ctr"/>
+          <a:lstStyle/>
+          <a:p>
+            <a:pPr algn="ctr"/>
+            <a:r>
+              <a:rPr lang="en-US" sz="6000" dirty="0" smtClean="0">
+                <a:solidFill>
+                  <a:schemeClr val="bg1"/>
+                </a:solidFill>
+              </a:rPr>
+              <a:t>A</a:t>
+            </a:r>
+            <a:endParaRPr lang="en-US" sz="6000" dirty="0">
+              <a:solidFill>
+                <a:schemeClr val="bg1"/>
+              </a:solidFill>
+            </a:endParaRPr>
+          </a:p>
+        </p:txBody>
+      </p:sp>
+      <p:cxnSp>
+        <p:nvCxnSpPr>
+          <p:cNvPr id="18" name="Straight Connector 17"/>
+          <p:cNvCxnSpPr>
+            <a:stCxn id="9" idx="6"/>
+            <a:endCxn id="17" idx="2"/>
+          </p:cNvCxnSpPr>
+          <p:nvPr/>
+        </p:nvCxnSpPr>
+        <p:spPr>
+          <a:xfrm>
+            <a:off x="6804201" y="2749425"/>
+            <a:ext cx="676672" cy="0"/>
+          </a:xfrm>
+          <a:prstGeom prst="line">
+            <a:avLst/>
+          </a:prstGeom>
+          <a:ln w="38100">
+            <a:solidFill>
+              <a:schemeClr val="bg1"/>
+            </a:solidFill>
+          </a:ln>
+        </p:spPr>
+        <p:style>
+          <a:lnRef idx="1">
+            <a:schemeClr val="accent1"/>
+          </a:lnRef>
+          <a:fillRef idx="0">
+            <a:schemeClr val="accent1"/>
+          </a:fillRef>
+          <a:effectRef idx="0">
+            <a:schemeClr val="accent1"/>
+          </a:effectRef>
+          <a:fontRef idx="minor">
+            <a:schemeClr val="tx1"/>
+          </a:fontRef>
+        </p:style>
+      </p:cxnSp>
+    </p:spTree>
+    <p:extLst>
+      <p:ext uri="{BB962C8B-B14F-4D97-AF65-F5344CB8AC3E}">
+        <p14:creationId xmlns:p14="http://schemas.microsoft.com/office/powerpoint/2010/main" val="1233805520"/>
+      </p:ext>
+    </p:extLst>
+  </p:cSld>
+  <p:clrMapOvr>
+    <a:masterClrMapping/>
+  </p:clrMapOvr>
+</p:sld>
+</file>
+
 <file path=ppt/theme/theme1.xml><?xml version="1.0" encoding="utf-8"?>
 <a:theme xmlns:a="http://schemas.openxmlformats.org/drawingml/2006/main" name="Office Theme">
   <a:themeElements>
